--- a/luong_autotool.pptx
+++ b/luong_autotool.pptx
@@ -244,7 +244,7 @@
           <a:p>
             <a:fld id="{EC23B935-36D6-42DB-B180-4C2217BC049E}" type="datetimeFigureOut">
               <a:rPr lang="en-US" smtClean="0"/>
-              <a:t>12/22/2017</a:t>
+              <a:t>12/26/2017</a:t>
             </a:fld>
             <a:endParaRPr lang="en-US"/>
           </a:p>
@@ -414,7 +414,7 @@
           <a:p>
             <a:fld id="{EC23B935-36D6-42DB-B180-4C2217BC049E}" type="datetimeFigureOut">
               <a:rPr lang="en-US" smtClean="0"/>
-              <a:t>12/22/2017</a:t>
+              <a:t>12/26/2017</a:t>
             </a:fld>
             <a:endParaRPr lang="en-US"/>
           </a:p>
@@ -594,7 +594,7 @@
           <a:p>
             <a:fld id="{EC23B935-36D6-42DB-B180-4C2217BC049E}" type="datetimeFigureOut">
               <a:rPr lang="en-US" smtClean="0"/>
-              <a:t>12/22/2017</a:t>
+              <a:t>12/26/2017</a:t>
             </a:fld>
             <a:endParaRPr lang="en-US"/>
           </a:p>
@@ -764,7 +764,7 @@
           <a:p>
             <a:fld id="{EC23B935-36D6-42DB-B180-4C2217BC049E}" type="datetimeFigureOut">
               <a:rPr lang="en-US" smtClean="0"/>
-              <a:t>12/22/2017</a:t>
+              <a:t>12/26/2017</a:t>
             </a:fld>
             <a:endParaRPr lang="en-US"/>
           </a:p>
@@ -1010,7 +1010,7 @@
           <a:p>
             <a:fld id="{EC23B935-36D6-42DB-B180-4C2217BC049E}" type="datetimeFigureOut">
               <a:rPr lang="en-US" smtClean="0"/>
-              <a:t>12/22/2017</a:t>
+              <a:t>12/26/2017</a:t>
             </a:fld>
             <a:endParaRPr lang="en-US"/>
           </a:p>
@@ -1242,7 +1242,7 @@
           <a:p>
             <a:fld id="{EC23B935-36D6-42DB-B180-4C2217BC049E}" type="datetimeFigureOut">
               <a:rPr lang="en-US" smtClean="0"/>
-              <a:t>12/22/2017</a:t>
+              <a:t>12/26/2017</a:t>
             </a:fld>
             <a:endParaRPr lang="en-US"/>
           </a:p>
@@ -1609,7 +1609,7 @@
           <a:p>
             <a:fld id="{EC23B935-36D6-42DB-B180-4C2217BC049E}" type="datetimeFigureOut">
               <a:rPr lang="en-US" smtClean="0"/>
-              <a:t>12/22/2017</a:t>
+              <a:t>12/26/2017</a:t>
             </a:fld>
             <a:endParaRPr lang="en-US"/>
           </a:p>
@@ -1727,7 +1727,7 @@
           <a:p>
             <a:fld id="{EC23B935-36D6-42DB-B180-4C2217BC049E}" type="datetimeFigureOut">
               <a:rPr lang="en-US" smtClean="0"/>
-              <a:t>12/22/2017</a:t>
+              <a:t>12/26/2017</a:t>
             </a:fld>
             <a:endParaRPr lang="en-US"/>
           </a:p>
@@ -1822,7 +1822,7 @@
           <a:p>
             <a:fld id="{EC23B935-36D6-42DB-B180-4C2217BC049E}" type="datetimeFigureOut">
               <a:rPr lang="en-US" smtClean="0"/>
-              <a:t>12/22/2017</a:t>
+              <a:t>12/26/2017</a:t>
             </a:fld>
             <a:endParaRPr lang="en-US"/>
           </a:p>
@@ -2099,7 +2099,7 @@
           <a:p>
             <a:fld id="{EC23B935-36D6-42DB-B180-4C2217BC049E}" type="datetimeFigureOut">
               <a:rPr lang="en-US" smtClean="0"/>
-              <a:t>12/22/2017</a:t>
+              <a:t>12/26/2017</a:t>
             </a:fld>
             <a:endParaRPr lang="en-US"/>
           </a:p>
@@ -2352,7 +2352,7 @@
           <a:p>
             <a:fld id="{EC23B935-36D6-42DB-B180-4C2217BC049E}" type="datetimeFigureOut">
               <a:rPr lang="en-US" smtClean="0"/>
-              <a:t>12/22/2017</a:t>
+              <a:t>12/26/2017</a:t>
             </a:fld>
             <a:endParaRPr lang="en-US"/>
           </a:p>
@@ -2565,7 +2565,7 @@
           <a:p>
             <a:fld id="{EC23B935-36D6-42DB-B180-4C2217BC049E}" type="datetimeFigureOut">
               <a:rPr lang="en-US" smtClean="0"/>
-              <a:t>12/22/2017</a:t>
+              <a:t>12/26/2017</a:t>
             </a:fld>
             <a:endParaRPr lang="en-US"/>
           </a:p>
@@ -3471,8 +3471,8 @@
         </p:nvSpPr>
         <p:spPr>
           <a:xfrm>
-            <a:off x="6782804" y="3961772"/>
-            <a:ext cx="1249280" cy="369332"/>
+            <a:off x="6718635" y="3795197"/>
+            <a:ext cx="1249280" cy="646331"/>
           </a:xfrm>
           <a:prstGeom prst="rect">
             <a:avLst/>
@@ -3486,8 +3486,12 @@
           <a:lstStyle/>
           <a:p>
             <a:r>
-              <a:rPr lang="en-US" smtClean="0"/>
-              <a:t>generate</a:t>
+              <a:rPr lang="en-US"/>
+              <a:t>r</a:t>
+            </a:r>
+            <a:r>
+              <a:rPr lang="en-US" smtClean="0"/>
+              <a:t>un configure</a:t>
             </a:r>
             <a:endParaRPr lang="en-US"/>
           </a:p>
@@ -3600,7 +3604,7 @@
         <p:spPr>
           <a:xfrm>
             <a:off x="6607343" y="3088105"/>
-            <a:ext cx="3707731" cy="522426"/>
+            <a:ext cx="686342" cy="936778"/>
           </a:xfrm>
           <a:prstGeom prst="straightConnector1">
             <a:avLst/>
@@ -3632,8 +3636,8 @@
         </p:nvCxnSpPr>
         <p:spPr>
           <a:xfrm flipV="1">
-            <a:off x="9669381" y="3889946"/>
-            <a:ext cx="575009" cy="576095"/>
+            <a:off x="9669381" y="4466041"/>
+            <a:ext cx="686342" cy="1"/>
           </a:xfrm>
           <a:prstGeom prst="straightConnector1">
             <a:avLst/>
@@ -3665,7 +3669,7 @@
         </p:nvSpPr>
         <p:spPr>
           <a:xfrm>
-            <a:off x="10315074" y="3538523"/>
+            <a:off x="9700463" y="3961772"/>
             <a:ext cx="690812" cy="369332"/>
           </a:xfrm>
           <a:prstGeom prst="rect">
@@ -3681,7 +3685,7 @@
           <a:p>
             <a:r>
               <a:rPr lang="en-US" smtClean="0"/>
-              <a:t>run</a:t>
+              <a:t>make</a:t>
             </a:r>
             <a:endParaRPr lang="en-US"/>
           </a:p>
@@ -3695,7 +3699,7 @@
         </p:nvSpPr>
         <p:spPr>
           <a:xfrm>
-            <a:off x="10780295" y="3380873"/>
+            <a:off x="10371221" y="4149410"/>
             <a:ext cx="1411705" cy="644010"/>
           </a:xfrm>
           <a:prstGeom prst="rect">
